--- a/04/計算機.pptx
+++ b/04/計算機.pptx
@@ -10873,7 +10873,7 @@
           <a:p>
             <a:r>
               <a:rPr kumimoji="1" lang="ja-JP" altLang="en-US" dirty="0"/>
-              <a:t>計算機</a:t>
+              <a:t>自動計算機</a:t>
             </a:r>
             <a:endParaRPr kumimoji="1" lang="ja-JP" altLang="en-US" dirty="0"/>
           </a:p>
@@ -10971,6 +10971,21 @@
           <a:bodyPr/>
           <a:p>
             <a:r>
+              <a:rPr lang="en-US" altLang="ja-JP"/>
+              <a:t>javafx</a:t>
+            </a:r>
+            <a:r>
+              <a:rPr lang="ja-JP" altLang="en-US"/>
+              <a:t>の基本的な事を</a:t>
+            </a:r>
+            <a:r>
+              <a:rPr lang="ja-JP" altLang="en-US"/>
+              <a:t>活かしたい</a:t>
+            </a:r>
+            <a:endParaRPr lang="ja-JP" altLang="en-US"/>
+          </a:p>
+          <a:p>
+            <a:r>
               <a:rPr lang="ja-JP" altLang="en-US"/>
               <a:t>さまざまな</a:t>
             </a:r>
@@ -11122,11 +11137,21 @@
             </a:pPr>
             <a:r>
               <a:rPr lang="ja-JP" altLang="en-US"/>
-              <a:t>ボタン、画面切り替え</a:t>
-            </a:r>
+              <a:t>ボタン、テキストボックス</a:t>
+            </a:r>
+            <a:endParaRPr lang="ja-JP" altLang="en-US"/>
+          </a:p>
+          <a:p>
+            <a:pPr marL="0" indent="0">
+              <a:buNone/>
+            </a:pPr>
             <a:r>
               <a:rPr lang="ja-JP" altLang="en-US"/>
-              <a:t>など</a:t>
+              <a:t>画面や計算機能の切り替え</a:t>
+            </a:r>
+            <a:r>
+              <a:rPr lang="ja-JP" altLang="en-US"/>
+              <a:t>など、</a:t>
             </a:r>
             <a:endParaRPr lang="ja-JP" altLang="en-US"/>
           </a:p>
@@ -11178,12 +11203,12 @@
       </p:sp>
       <p:pic>
         <p:nvPicPr>
-          <p:cNvPr id="5" name="コンテンツプレースホルダ 4"/>
+          <p:cNvPr id="3" name="コンテンツプレースホルダ 2"/>
           <p:cNvPicPr>
             <a:picLocks noChangeAspect="1"/>
           </p:cNvPicPr>
           <p:nvPr>
-            <p:ph idx="1"/>
+            <p:ph sz="half" idx="2"/>
           </p:nvPr>
         </p:nvPicPr>
         <p:blipFill>
@@ -11194,8 +11219,8 @@
         </p:blipFill>
         <p:spPr>
           <a:xfrm>
-            <a:off x="2974340" y="1600200"/>
-            <a:ext cx="7889240" cy="4526280"/>
+            <a:off x="3385820" y="1664970"/>
+            <a:ext cx="7292975" cy="4099560"/>
           </a:xfrm>
           <a:prstGeom prst="rect">
             <a:avLst/>
@@ -11258,11 +11283,43 @@
           <a:p>
             <a:r>
               <a:rPr lang="ja-JP" altLang="en-US"/>
-              <a:t>基本的な</a:t>
+              <a:t>基本的な計算機能と</a:t>
             </a:r>
             <a:r>
               <a:rPr lang="ja-JP" altLang="en-US"/>
-              <a:t>計算機能</a:t>
+              <a:t>表示</a:t>
+            </a:r>
+            <a:endParaRPr lang="ja-JP" altLang="en-US"/>
+          </a:p>
+          <a:p>
+            <a:r>
+              <a:rPr lang="ja-JP" altLang="en-US"/>
+              <a:t>単純な計算や公式を用いた</a:t>
+            </a:r>
+            <a:r>
+              <a:rPr lang="ja-JP" altLang="en-US"/>
+              <a:t>計算など</a:t>
+            </a:r>
+            <a:endParaRPr lang="ja-JP" altLang="en-US"/>
+          </a:p>
+          <a:p>
+            <a:r>
+              <a:rPr lang="ja-JP" altLang="en-US"/>
+              <a:t>電卓</a:t>
+            </a:r>
+            <a:endParaRPr lang="ja-JP" altLang="en-US"/>
+          </a:p>
+          <a:p>
+            <a:endParaRPr lang="ja-JP" altLang="en-US"/>
+          </a:p>
+          <a:p>
+            <a:r>
+              <a:rPr lang="ja-JP" altLang="en-US"/>
+              <a:t>何かと追加していく</a:t>
+            </a:r>
+            <a:r>
+              <a:rPr lang="ja-JP" altLang="en-US"/>
+              <a:t>予定</a:t>
             </a:r>
             <a:endParaRPr lang="ja-JP" altLang="en-US"/>
           </a:p>
